--- a/1차 프로젝트 발표 자료 - 2022180037 임용호.pptx
+++ b/1차 프로젝트 발표 자료 - 2022180037 임용호.pptx
@@ -112,6 +112,11 @@
       </a:defRPr>
     </a:lvl9pPr>
   </p:defaultTextStyle>
+  <p:extLst>
+    <p:ext uri="{EFAFB233-063F-42B5-8137-9DF3F51BA10A}">
+      <p15:sldGuideLst xmlns:p15="http://schemas.microsoft.com/office/powerpoint/2012/main"/>
+    </p:ext>
+  </p:extLst>
 </p:presentation>
 </file>
 
@@ -262,7 +267,7 @@
           <a:p>
             <a:fld id="{7047E09F-F55E-42C1-8016-375A5744E066}" type="datetimeFigureOut">
               <a:rPr lang="ko-KR" altLang="en-US" smtClean="0"/>
-              <a:t>2025-09-27</a:t>
+              <a:t>2025-11-09</a:t>
             </a:fld>
             <a:endParaRPr lang="ko-KR" altLang="en-US"/>
           </a:p>
@@ -460,7 +465,7 @@
           <a:p>
             <a:fld id="{7047E09F-F55E-42C1-8016-375A5744E066}" type="datetimeFigureOut">
               <a:rPr lang="ko-KR" altLang="en-US" smtClean="0"/>
-              <a:t>2025-09-27</a:t>
+              <a:t>2025-11-09</a:t>
             </a:fld>
             <a:endParaRPr lang="ko-KR" altLang="en-US"/>
           </a:p>
@@ -668,7 +673,7 @@
           <a:p>
             <a:fld id="{7047E09F-F55E-42C1-8016-375A5744E066}" type="datetimeFigureOut">
               <a:rPr lang="ko-KR" altLang="en-US" smtClean="0"/>
-              <a:t>2025-09-27</a:t>
+              <a:t>2025-11-09</a:t>
             </a:fld>
             <a:endParaRPr lang="ko-KR" altLang="en-US"/>
           </a:p>
@@ -866,7 +871,7 @@
           <a:p>
             <a:fld id="{7047E09F-F55E-42C1-8016-375A5744E066}" type="datetimeFigureOut">
               <a:rPr lang="ko-KR" altLang="en-US" smtClean="0"/>
-              <a:t>2025-09-27</a:t>
+              <a:t>2025-11-09</a:t>
             </a:fld>
             <a:endParaRPr lang="ko-KR" altLang="en-US"/>
           </a:p>
@@ -1141,7 +1146,7 @@
           <a:p>
             <a:fld id="{7047E09F-F55E-42C1-8016-375A5744E066}" type="datetimeFigureOut">
               <a:rPr lang="ko-KR" altLang="en-US" smtClean="0"/>
-              <a:t>2025-09-27</a:t>
+              <a:t>2025-11-09</a:t>
             </a:fld>
             <a:endParaRPr lang="ko-KR" altLang="en-US"/>
           </a:p>
@@ -1406,7 +1411,7 @@
           <a:p>
             <a:fld id="{7047E09F-F55E-42C1-8016-375A5744E066}" type="datetimeFigureOut">
               <a:rPr lang="ko-KR" altLang="en-US" smtClean="0"/>
-              <a:t>2025-09-27</a:t>
+              <a:t>2025-11-09</a:t>
             </a:fld>
             <a:endParaRPr lang="ko-KR" altLang="en-US"/>
           </a:p>
@@ -1818,7 +1823,7 @@
           <a:p>
             <a:fld id="{7047E09F-F55E-42C1-8016-375A5744E066}" type="datetimeFigureOut">
               <a:rPr lang="ko-KR" altLang="en-US" smtClean="0"/>
-              <a:t>2025-09-27</a:t>
+              <a:t>2025-11-09</a:t>
             </a:fld>
             <a:endParaRPr lang="ko-KR" altLang="en-US"/>
           </a:p>
@@ -1959,7 +1964,7 @@
           <a:p>
             <a:fld id="{7047E09F-F55E-42C1-8016-375A5744E066}" type="datetimeFigureOut">
               <a:rPr lang="ko-KR" altLang="en-US" smtClean="0"/>
-              <a:t>2025-09-27</a:t>
+              <a:t>2025-11-09</a:t>
             </a:fld>
             <a:endParaRPr lang="ko-KR" altLang="en-US"/>
           </a:p>
@@ -2072,7 +2077,7 @@
           <a:p>
             <a:fld id="{7047E09F-F55E-42C1-8016-375A5744E066}" type="datetimeFigureOut">
               <a:rPr lang="ko-KR" altLang="en-US" smtClean="0"/>
-              <a:t>2025-09-27</a:t>
+              <a:t>2025-11-09</a:t>
             </a:fld>
             <a:endParaRPr lang="ko-KR" altLang="en-US"/>
           </a:p>
@@ -2383,7 +2388,7 @@
           <a:p>
             <a:fld id="{7047E09F-F55E-42C1-8016-375A5744E066}" type="datetimeFigureOut">
               <a:rPr lang="ko-KR" altLang="en-US" smtClean="0"/>
-              <a:t>2025-09-27</a:t>
+              <a:t>2025-11-09</a:t>
             </a:fld>
             <a:endParaRPr lang="ko-KR" altLang="en-US"/>
           </a:p>
@@ -2671,7 +2676,7 @@
           <a:p>
             <a:fld id="{7047E09F-F55E-42C1-8016-375A5744E066}" type="datetimeFigureOut">
               <a:rPr lang="ko-KR" altLang="en-US" smtClean="0"/>
-              <a:t>2025-09-27</a:t>
+              <a:t>2025-11-09</a:t>
             </a:fld>
             <a:endParaRPr lang="ko-KR" altLang="en-US"/>
           </a:p>
@@ -2912,7 +2917,7 @@
           <a:p>
             <a:fld id="{7047E09F-F55E-42C1-8016-375A5744E066}" type="datetimeFigureOut">
               <a:rPr lang="ko-KR" altLang="en-US" smtClean="0"/>
-              <a:t>2025-09-27</a:t>
+              <a:t>2025-11-09</a:t>
             </a:fld>
             <a:endParaRPr lang="ko-KR" altLang="en-US"/>
           </a:p>
@@ -5268,7 +5273,15 @@
             </a:r>
             <a:r>
               <a:rPr lang="en-US" altLang="ko-KR" dirty="0"/>
-              <a:t>2: I (</a:t>
+              <a:t>2: </a:t>
+            </a:r>
+            <a:r>
+              <a:rPr lang="en-US" altLang="ko-KR"/>
+              <a:t>i </a:t>
+            </a:r>
+            <a:r>
+              <a:rPr lang="en-US" altLang="ko-KR" dirty="0"/>
+              <a:t>(</a:t>
             </a:r>
             <a:r>
               <a:rPr lang="ko-KR" altLang="en-US" dirty="0"/>

--- a/1차 프로젝트 발표 자료 - 2022180037 임용호.pptx
+++ b/1차 프로젝트 발표 자료 - 2022180037 임용호.pptx
@@ -4599,8 +4599,8 @@
         </p:nvSpPr>
         <p:spPr>
           <a:xfrm>
-            <a:off x="567511" y="695741"/>
-            <a:ext cx="11867351" cy="5355312"/>
+            <a:off x="449524" y="764567"/>
+            <a:ext cx="11549957" cy="4801314"/>
           </a:xfrm>
           <a:prstGeom prst="rect">
             <a:avLst/>
@@ -4644,20 +4644,21 @@
             </a:r>
             <a:r>
               <a:rPr lang="ko-KR" altLang="en-US" dirty="0"/>
-              <a:t>각 구획의 </a:t>
+              <a:t>각 구획마다 </a:t>
             </a:r>
             <a:r>
               <a:rPr lang="ko-KR" altLang="en-US" dirty="0" err="1"/>
-              <a:t>엘리트몹들은</a:t>
-            </a:r>
-            <a:r>
-              <a:rPr lang="ko-KR" altLang="en-US" dirty="0"/>
-              <a:t> 다음 구획으로 넘어가는 길목을 막고 있다</a:t>
-            </a:r>
-            <a:r>
-              <a:rPr lang="en-US" altLang="ko-KR" dirty="0"/>
+              <a:t>엘리트몹이</a:t>
+            </a:r>
+            <a:r>
+              <a:rPr lang="ko-KR" altLang="en-US" dirty="0"/>
+              <a:t> 존재한다</a:t>
+            </a:r>
+            <a:r>
+              <a:rPr lang="en-US" altLang="ko-KR"/>
               <a:t>.</a:t>
             </a:r>
+            <a:endParaRPr lang="en-US" altLang="ko-KR" dirty="0"/>
           </a:p>
           <a:p>
             <a:r>
@@ -4692,11 +4693,11 @@
             </a:r>
             <a:r>
               <a:rPr lang="ko-KR" altLang="en-US" dirty="0" err="1"/>
-              <a:t>리스폰보다는</a:t>
-            </a:r>
-            <a:r>
-              <a:rPr lang="ko-KR" altLang="en-US" dirty="0"/>
-              <a:t> 구획 이동 시에 생성이 초기화되는 방식을 적용하여 전체 </a:t>
+              <a:t>리스폰</a:t>
+            </a:r>
+            <a:r>
+              <a:rPr lang="ko-KR" altLang="en-US" dirty="0"/>
+              <a:t> 또는 구획 이동 시에 생성이 초기화되는 방식을 적용하여 전체 </a:t>
             </a:r>
             <a:r>
               <a:rPr lang="ko-KR" altLang="en-US" dirty="0" err="1"/>
@@ -4734,60 +4735,12 @@
             </a:r>
           </a:p>
           <a:p>
-            <a:r>
-              <a:rPr lang="en-US" altLang="ko-KR" dirty="0"/>
-              <a:t>(</a:t>
-            </a:r>
-            <a:r>
-              <a:rPr lang="ko-KR" altLang="en-US" dirty="0" err="1"/>
-              <a:t>엘리트몹은</a:t>
-            </a:r>
-            <a:r>
-              <a:rPr lang="ko-KR" altLang="en-US" dirty="0"/>
-              <a:t> </a:t>
-            </a:r>
-            <a:r>
-              <a:rPr lang="ko-KR" altLang="en-US" dirty="0" err="1"/>
-              <a:t>리스폰되지</a:t>
-            </a:r>
-            <a:r>
-              <a:rPr lang="ko-KR" altLang="en-US" dirty="0"/>
-              <a:t> 않는다</a:t>
-            </a:r>
-            <a:r>
-              <a:rPr lang="en-US" altLang="ko-KR" dirty="0"/>
-              <a:t>.)</a:t>
-            </a:r>
-          </a:p>
-          <a:p>
             <a:endParaRPr lang="en-US" altLang="ko-KR" dirty="0"/>
           </a:p>
           <a:p>
             <a:r>
               <a:rPr lang="ko-KR" altLang="en-US" dirty="0"/>
-              <a:t>각 구획의 </a:t>
-            </a:r>
-            <a:r>
-              <a:rPr lang="ko-KR" altLang="en-US" dirty="0" err="1"/>
-              <a:t>엘리트몹들을</a:t>
-            </a:r>
-            <a:r>
-              <a:rPr lang="ko-KR" altLang="en-US" dirty="0"/>
-              <a:t> 모두 처치하면 최종 보스로 이어지는 포탈이 생성됨</a:t>
-            </a:r>
-            <a:r>
-              <a:rPr lang="en-US" altLang="ko-KR" dirty="0"/>
-              <a:t>.</a:t>
-            </a:r>
-          </a:p>
-          <a:p>
-            <a:r>
-              <a:rPr lang="en-US" altLang="ko-KR" dirty="0"/>
-              <a:t>(</a:t>
-            </a:r>
-            <a:r>
-              <a:rPr lang="ko-KR" altLang="en-US" dirty="0"/>
-              <a:t>웨이브가 올라갈수록 적들이 더욱 강해지며</a:t>
+              <a:t>스테이지 레벨이 올라갈수록 적들이 더욱 강해지며</a:t>
             </a:r>
             <a:r>
               <a:rPr lang="en-US" altLang="ko-KR" dirty="0"/>
@@ -4797,10 +4750,7 @@
               <a:rPr lang="ko-KR" altLang="en-US" dirty="0"/>
               <a:t>그에 따른 제공 보상도 커짐</a:t>
             </a:r>
-            <a:r>
-              <a:rPr lang="en-US" altLang="ko-KR" dirty="0"/>
-              <a:t>)</a:t>
-            </a:r>
+            <a:endParaRPr lang="en-US" altLang="ko-KR" dirty="0"/>
           </a:p>
           <a:p>
             <a:endParaRPr lang="en-US" altLang="ko-KR" dirty="0"/>
@@ -5252,14 +5202,6 @@
             </a:r>
             <a:r>
               <a:rPr lang="en-US" altLang="ko-KR" dirty="0"/>
-              <a:t>) (</a:t>
-            </a:r>
-            <a:r>
-              <a:rPr lang="ko-KR" altLang="en-US" dirty="0"/>
-              <a:t>미정</a:t>
-            </a:r>
-            <a:r>
-              <a:rPr lang="en-US" altLang="ko-KR" dirty="0"/>
               <a:t>)</a:t>
             </a:r>
           </a:p>
@@ -5276,12 +5218,12 @@
               <a:t>2: </a:t>
             </a:r>
             <a:r>
-              <a:rPr lang="en-US" altLang="ko-KR"/>
-              <a:t>i </a:t>
+              <a:rPr lang="en-US" altLang="ko-KR" dirty="0" err="1"/>
+              <a:t>i</a:t>
             </a:r>
             <a:r>
               <a:rPr lang="en-US" altLang="ko-KR" dirty="0"/>
-              <a:t>(</a:t>
+              <a:t> (</a:t>
             </a:r>
             <a:r>
               <a:rPr lang="ko-KR" altLang="en-US" dirty="0"/>
